--- a/Trunk/Getting Started Material/DCAF Training/9 Unit Tests.pptx
+++ b/Trunk/Getting Started Material/DCAF Training/9 Unit Tests.pptx
@@ -233,7 +233,7 @@
           <a:p>
             <a:fld id="{081FDDD3-E983-450B-BE4D-24F388302B30}" type="datetimeFigureOut">
               <a:rPr lang="en-US" smtClean="0"/>
-              <a:t>2018-06-29</a:t>
+              <a:t>7/16/2018</a:t>
             </a:fld>
             <a:endParaRPr lang="en-US"/>
           </a:p>
@@ -5049,7 +5049,7 @@
           <a:p>
             <a:fld id="{C949E0C6-4040-428A-B9D1-B13AE5193222}" type="datetimeFigureOut">
               <a:rPr lang="en-US" smtClean="0"/>
-              <a:t>2018-06-29</a:t>
+              <a:t>7/16/2018</a:t>
             </a:fld>
             <a:endParaRPr lang="en-US"/>
           </a:p>
@@ -5728,7 +5728,7 @@
           <a:p>
             <a:fld id="{C949E0C6-4040-428A-B9D1-B13AE5193222}" type="datetimeFigureOut">
               <a:rPr lang="en-US" smtClean="0"/>
-              <a:t>2018-06-29</a:t>
+              <a:t>7/16/2018</a:t>
             </a:fld>
             <a:endParaRPr lang="en-US"/>
           </a:p>
@@ -13717,6 +13717,9 @@
               <a:rPr lang="en-US" dirty="0"/>
               <a:t>Make sure the blocks works before looking at the system.</a:t>
             </a:r>
+          </a:p>
+          <a:p>
+            <a:endParaRPr lang="en-US" dirty="0"/>
           </a:p>
           <a:p>
             <a:r>
